--- a/Best location to open a Cafe in Bengaluru.pptx
+++ b/Best location to open a Cafe in Bengaluru.pptx
@@ -8,9 +8,12 @@
     <p:sldId id="256" r:id="rId5"/>
     <p:sldId id="257" r:id="rId6"/>
     <p:sldId id="258" r:id="rId7"/>
-    <p:sldId id="259" r:id="rId8"/>
-    <p:sldId id="260" r:id="rId9"/>
-    <p:sldId id="261" r:id="rId10"/>
+    <p:sldId id="262" r:id="rId8"/>
+    <p:sldId id="263" r:id="rId9"/>
+    <p:sldId id="266" r:id="rId10"/>
+    <p:sldId id="259" r:id="rId11"/>
+    <p:sldId id="260" r:id="rId12"/>
+    <p:sldId id="261" r:id="rId13"/>
   </p:sldIdLst>
   <p:sldSz cx="9144000" cy="6858000" type="screen4x3"/>
   <p:notesSz cx="6858000" cy="9144000"/>
@@ -115,14 +118,6 @@
     </p:ext>
   </p:extLst>
 </p:presentation>
-</file>
-
-<file path=ppt/revisionInfo.xml><?xml version="1.0" encoding="utf-8"?>
-<p1510:revInfo xmlns:a="http://schemas.openxmlformats.org/drawingml/2006/main" xmlns:r="http://schemas.openxmlformats.org/officeDocument/2006/relationships" xmlns:p1510="http://schemas.microsoft.com/office/powerpoint/2015/10/main">
-  <p1510:revLst>
-    <p1510:client id="{2CDF428D-80C4-4016-9CDE-F72B415F69BB}" v="76" dt="2019-09-21T20:59:43.775"/>
-  </p1510:revLst>
-</p1510:revInfo>
 </file>
 
 <file path=ppt/diagrams/colors1.xml><?xml version="1.0" encoding="utf-8"?>
@@ -6151,11 +6146,11 @@
         <a:lstStyle/>
         <a:p>
           <a:r>
-            <a:rPr lang="en-US" sz="1050">
-              <a:latin typeface="Lao UI" panose="020B0502040204020203" pitchFamily="34" charset="0"/>
-              <a:cs typeface="Lao UI" panose="020B0502040204020203" pitchFamily="34" charset="0"/>
-            </a:rPr>
-            <a:t>Starting with locations where most people visit and those where high rated are few, so that there is low competition are New BEL road JP Nagar and HSR. </a:t>
+            <a:rPr lang="en-US" sz="1050" dirty="0">
+              <a:latin typeface="Lao UI" panose="020B0502040204020203" pitchFamily="34" charset="0"/>
+              <a:cs typeface="Lao UI" panose="020B0502040204020203" pitchFamily="34" charset="0"/>
+            </a:rPr>
+            <a:t>Starting with locations where most people visit and those where high rated are few, so that there is low competition are New BEL road and HSR. </a:t>
           </a:r>
         </a:p>
       </dgm:t>
@@ -6196,70 +6191,84 @@
         <a:lstStyle/>
         <a:p>
           <a:r>
-            <a:rPr lang="id-ID" sz="1050">
+            <a:rPr lang="id-ID" sz="1050" dirty="0">
               <a:latin typeface="Lao UI" panose="020B0502040204020203" pitchFamily="34" charset="0"/>
               <a:cs typeface="Lao UI" panose="020B0502040204020203" pitchFamily="34" charset="0"/>
             </a:rPr>
             <a:t>H</a:t>
           </a:r>
           <a:r>
-            <a:rPr lang="en-US" sz="1050">
+            <a:rPr lang="en-US" sz="1050" dirty="0">
               <a:latin typeface="Lao UI" panose="020B0502040204020203" pitchFamily="34" charset="0"/>
               <a:cs typeface="Lao UI" panose="020B0502040204020203" pitchFamily="34" charset="0"/>
             </a:rPr>
             <a:t>ow</a:t>
           </a:r>
           <a:r>
-            <a:rPr lang="id-ID" sz="1050">
+            <a:rPr lang="id-ID" sz="1050" dirty="0">
               <a:latin typeface="Lao UI" panose="020B0502040204020203" pitchFamily="34" charset="0"/>
               <a:cs typeface="Lao UI" panose="020B0502040204020203" pitchFamily="34" charset="0"/>
             </a:rPr>
             <a:t>e</a:t>
           </a:r>
           <a:r>
-            <a:rPr lang="en-US" sz="1050">
-              <a:latin typeface="Lao UI" panose="020B0502040204020203" pitchFamily="34" charset="0"/>
-              <a:cs typeface="Lao UI" panose="020B0502040204020203" pitchFamily="34" charset="0"/>
-            </a:rPr>
-            <a:t>ver, looking at </a:t>
-          </a:r>
-          <a:r>
-            <a:rPr lang="id-ID" sz="1050">
-              <a:latin typeface="Lao UI" panose="020B0502040204020203" pitchFamily="34" charset="0"/>
-              <a:cs typeface="Lao UI" panose="020B0502040204020203" pitchFamily="34" charset="0"/>
-            </a:rPr>
-            <a:t>number of </a:t>
-          </a:r>
-          <a:r>
-            <a:rPr lang="en-US" sz="1050">
-              <a:latin typeface="Lao UI" panose="020B0502040204020203" pitchFamily="34" charset="0"/>
-              <a:cs typeface="Lao UI" panose="020B0502040204020203" pitchFamily="34" charset="0"/>
-            </a:rPr>
-            <a:t>cafes around,</a:t>
-          </a:r>
-          <a:r>
-            <a:rPr lang="id-ID" sz="1050">
+            <a:rPr lang="en-US" sz="1050" dirty="0" err="1">
+              <a:latin typeface="Lao UI" panose="020B0502040204020203" pitchFamily="34" charset="0"/>
+              <a:cs typeface="Lao UI" panose="020B0502040204020203" pitchFamily="34" charset="0"/>
+            </a:rPr>
+            <a:t>ver</a:t>
+          </a:r>
+          <a:r>
+            <a:rPr lang="en-US" sz="1050" dirty="0">
+              <a:latin typeface="Lao UI" panose="020B0502040204020203" pitchFamily="34" charset="0"/>
+              <a:cs typeface="Lao UI" panose="020B0502040204020203" pitchFamily="34" charset="0"/>
+            </a:rPr>
+            <a:t>, looking at </a:t>
+          </a:r>
+          <a:r>
+            <a:rPr lang="id-ID" sz="1050" dirty="0" err="1">
+              <a:latin typeface="Lao UI" panose="020B0502040204020203" pitchFamily="34" charset="0"/>
+              <a:cs typeface="Lao UI" panose="020B0502040204020203" pitchFamily="34" charset="0"/>
+            </a:rPr>
+            <a:t>number</a:t>
+          </a:r>
+          <a:r>
+            <a:rPr lang="id-ID" sz="1050" dirty="0">
               <a:latin typeface="Lao UI" panose="020B0502040204020203" pitchFamily="34" charset="0"/>
               <a:cs typeface="Lao UI" panose="020B0502040204020203" pitchFamily="34" charset="0"/>
             </a:rPr>
             <a:t> </a:t>
           </a:r>
           <a:r>
-            <a:rPr lang="en-US" sz="1050">
-              <a:latin typeface="Lao UI" panose="020B0502040204020203" pitchFamily="34" charset="0"/>
-              <a:cs typeface="Lao UI" panose="020B0502040204020203" pitchFamily="34" charset="0"/>
-            </a:rPr>
-            <a:t>JP Nagar and HSR have many,</a:t>
-          </a:r>
-          <a:r>
-            <a:rPr lang="id-ID" sz="1050">
+            <a:rPr lang="id-ID" sz="1050" dirty="0" err="1">
+              <a:latin typeface="Lao UI" panose="020B0502040204020203" pitchFamily="34" charset="0"/>
+              <a:cs typeface="Lao UI" panose="020B0502040204020203" pitchFamily="34" charset="0"/>
+            </a:rPr>
+            <a:t>of</a:t>
+          </a:r>
+          <a:r>
+            <a:rPr lang="id-ID" sz="1050" dirty="0">
               <a:latin typeface="Lao UI" panose="020B0502040204020203" pitchFamily="34" charset="0"/>
               <a:cs typeface="Lao UI" panose="020B0502040204020203" pitchFamily="34" charset="0"/>
             </a:rPr>
             <a:t> </a:t>
           </a:r>
           <a:r>
-            <a:rPr lang="en-US" sz="1050">
+            <a:rPr lang="en-US" sz="1050" dirty="0">
+              <a:latin typeface="Lao UI" panose="020B0502040204020203" pitchFamily="34" charset="0"/>
+              <a:cs typeface="Lao UI" panose="020B0502040204020203" pitchFamily="34" charset="0"/>
+            </a:rPr>
+            <a:t>cafes around HSR have many,</a:t>
+          </a:r>
+          <a:r>
+            <a:rPr lang="id-ID" sz="1050" dirty="0">
+              <a:latin typeface="Lao UI" panose="020B0502040204020203" pitchFamily="34" charset="0"/>
+              <a:cs typeface="Lao UI" panose="020B0502040204020203" pitchFamily="34" charset="0"/>
+            </a:rPr>
+            <a:t> </a:t>
+          </a:r>
+          <a:r>
+            <a:rPr lang="en-US" sz="1050" dirty="0">
               <a:latin typeface="Lao UI" panose="020B0502040204020203" pitchFamily="34" charset="0"/>
               <a:cs typeface="Lao UI" panose="020B0502040204020203" pitchFamily="34" charset="0"/>
             </a:rPr>
@@ -6304,25 +6313,25 @@
         <a:lstStyle/>
         <a:p>
           <a:r>
-            <a:rPr lang="en-US" sz="1050">
+            <a:rPr lang="en-US" sz="1050" dirty="0">
               <a:latin typeface="Lao UI" panose="020B0502040204020203" pitchFamily="34" charset="0"/>
               <a:cs typeface="Lao UI" panose="020B0502040204020203" pitchFamily="34" charset="0"/>
             </a:rPr>
             <a:t>But if </a:t>
           </a:r>
           <a:r>
-            <a:rPr lang="id-ID" sz="1050">
+            <a:rPr lang="id-ID" sz="1050" dirty="0" err="1">
               <a:latin typeface="Lao UI" panose="020B0502040204020203" pitchFamily="34" charset="0"/>
               <a:cs typeface="Lao UI" panose="020B0502040204020203" pitchFamily="34" charset="0"/>
             </a:rPr>
             <a:t>we</a:t>
           </a:r>
           <a:r>
-            <a:rPr lang="en-US" sz="1050">
-              <a:latin typeface="Lao UI" panose="020B0502040204020203" pitchFamily="34" charset="0"/>
-              <a:cs typeface="Lao UI" panose="020B0502040204020203" pitchFamily="34" charset="0"/>
-            </a:rPr>
-            <a:t> want to be open for online ordering service as well, then JP Nagar and HSR are better</a:t>
+            <a:rPr lang="en-US" sz="1050" dirty="0">
+              <a:latin typeface="Lao UI" panose="020B0502040204020203" pitchFamily="34" charset="0"/>
+              <a:cs typeface="Lao UI" panose="020B0502040204020203" pitchFamily="34" charset="0"/>
+            </a:rPr>
+            <a:t> want to be open for online ordering service as well, then HSR is better</a:t>
           </a:r>
         </a:p>
       </dgm:t>
@@ -9940,8 +9949,8 @@
       </dsp:nvSpPr>
       <dsp:spPr>
         <a:xfrm>
-          <a:off x="1120478" y="334491"/>
-          <a:ext cx="639140" cy="639140"/>
+          <a:off x="949289" y="370482"/>
+          <a:ext cx="677900" cy="677900"/>
         </a:xfrm>
         <a:prstGeom prst="rect">
           <a:avLst/>
@@ -9990,8 +9999,8 @@
       </dsp:nvSpPr>
       <dsp:spPr>
         <a:xfrm>
-          <a:off x="729892" y="1234711"/>
-          <a:ext cx="1420312" cy="763417"/>
+          <a:off x="535017" y="1309462"/>
+          <a:ext cx="1506445" cy="677900"/>
         </a:xfrm>
         <a:prstGeom prst="rect">
           <a:avLst/>
@@ -10033,17 +10042,17 @@
             <a:buNone/>
           </a:pPr>
           <a:r>
-            <a:rPr lang="en-US" sz="1050" kern="1200">
-              <a:latin typeface="Lao UI" panose="020B0502040204020203" pitchFamily="34" charset="0"/>
-              <a:cs typeface="Lao UI" panose="020B0502040204020203" pitchFamily="34" charset="0"/>
-            </a:rPr>
-            <a:t>Starting with locations where most people visit and those where high rated are few, so that there is low competition are New BEL road JP Nagar and HSR. </a:t>
+            <a:rPr lang="en-US" sz="1050" kern="1200" dirty="0">
+              <a:latin typeface="Lao UI" panose="020B0502040204020203" pitchFamily="34" charset="0"/>
+              <a:cs typeface="Lao UI" panose="020B0502040204020203" pitchFamily="34" charset="0"/>
+            </a:rPr>
+            <a:t>Starting with locations where most people visit and those where high rated are few, so that there is low competition are New BEL road and HSR. </a:t>
           </a:r>
         </a:p>
       </dsp:txBody>
       <dsp:txXfrm>
-        <a:off x="729892" y="1234711"/>
-        <a:ext cx="1420312" cy="763417"/>
+        <a:off x="535017" y="1309462"/>
+        <a:ext cx="1506445" cy="677900"/>
       </dsp:txXfrm>
     </dsp:sp>
     <dsp:sp modelId="{4A054964-728C-4371-B062-4D64ABC96A21}">
@@ -10053,8 +10062,8 @@
       </dsp:nvSpPr>
       <dsp:spPr>
         <a:xfrm>
-          <a:off x="2789346" y="334491"/>
-          <a:ext cx="639140" cy="639140"/>
+          <a:off x="2719363" y="370482"/>
+          <a:ext cx="677900" cy="677900"/>
         </a:xfrm>
         <a:prstGeom prst="rect">
           <a:avLst/>
@@ -10103,8 +10112,8 @@
       </dsp:nvSpPr>
       <dsp:spPr>
         <a:xfrm>
-          <a:off x="2398760" y="1234711"/>
-          <a:ext cx="1420312" cy="763417"/>
+          <a:off x="2305090" y="1309462"/>
+          <a:ext cx="1506445" cy="677900"/>
         </a:xfrm>
         <a:prstGeom prst="rect">
           <a:avLst/>
@@ -10146,70 +10155,84 @@
             <a:buNone/>
           </a:pPr>
           <a:r>
-            <a:rPr lang="id-ID" sz="1050" kern="1200">
+            <a:rPr lang="id-ID" sz="1050" kern="1200" dirty="0">
               <a:latin typeface="Lao UI" panose="020B0502040204020203" pitchFamily="34" charset="0"/>
               <a:cs typeface="Lao UI" panose="020B0502040204020203" pitchFamily="34" charset="0"/>
             </a:rPr>
             <a:t>H</a:t>
           </a:r>
           <a:r>
-            <a:rPr lang="en-US" sz="1050" kern="1200">
+            <a:rPr lang="en-US" sz="1050" kern="1200" dirty="0">
               <a:latin typeface="Lao UI" panose="020B0502040204020203" pitchFamily="34" charset="0"/>
               <a:cs typeface="Lao UI" panose="020B0502040204020203" pitchFamily="34" charset="0"/>
             </a:rPr>
             <a:t>ow</a:t>
           </a:r>
           <a:r>
-            <a:rPr lang="id-ID" sz="1050" kern="1200">
+            <a:rPr lang="id-ID" sz="1050" kern="1200" dirty="0">
               <a:latin typeface="Lao UI" panose="020B0502040204020203" pitchFamily="34" charset="0"/>
               <a:cs typeface="Lao UI" panose="020B0502040204020203" pitchFamily="34" charset="0"/>
             </a:rPr>
             <a:t>e</a:t>
           </a:r>
           <a:r>
-            <a:rPr lang="en-US" sz="1050" kern="1200">
-              <a:latin typeface="Lao UI" panose="020B0502040204020203" pitchFamily="34" charset="0"/>
-              <a:cs typeface="Lao UI" panose="020B0502040204020203" pitchFamily="34" charset="0"/>
-            </a:rPr>
-            <a:t>ver, looking at </a:t>
-          </a:r>
-          <a:r>
-            <a:rPr lang="id-ID" sz="1050" kern="1200">
-              <a:latin typeface="Lao UI" panose="020B0502040204020203" pitchFamily="34" charset="0"/>
-              <a:cs typeface="Lao UI" panose="020B0502040204020203" pitchFamily="34" charset="0"/>
-            </a:rPr>
-            <a:t>number of </a:t>
-          </a:r>
-          <a:r>
-            <a:rPr lang="en-US" sz="1050" kern="1200">
-              <a:latin typeface="Lao UI" panose="020B0502040204020203" pitchFamily="34" charset="0"/>
-              <a:cs typeface="Lao UI" panose="020B0502040204020203" pitchFamily="34" charset="0"/>
-            </a:rPr>
-            <a:t>cafes around,</a:t>
-          </a:r>
-          <a:r>
-            <a:rPr lang="id-ID" sz="1050" kern="1200">
+            <a:rPr lang="en-US" sz="1050" kern="1200" dirty="0" err="1">
+              <a:latin typeface="Lao UI" panose="020B0502040204020203" pitchFamily="34" charset="0"/>
+              <a:cs typeface="Lao UI" panose="020B0502040204020203" pitchFamily="34" charset="0"/>
+            </a:rPr>
+            <a:t>ver</a:t>
+          </a:r>
+          <a:r>
+            <a:rPr lang="en-US" sz="1050" kern="1200" dirty="0">
+              <a:latin typeface="Lao UI" panose="020B0502040204020203" pitchFamily="34" charset="0"/>
+              <a:cs typeface="Lao UI" panose="020B0502040204020203" pitchFamily="34" charset="0"/>
+            </a:rPr>
+            <a:t>, looking at </a:t>
+          </a:r>
+          <a:r>
+            <a:rPr lang="id-ID" sz="1050" kern="1200" dirty="0" err="1">
+              <a:latin typeface="Lao UI" panose="020B0502040204020203" pitchFamily="34" charset="0"/>
+              <a:cs typeface="Lao UI" panose="020B0502040204020203" pitchFamily="34" charset="0"/>
+            </a:rPr>
+            <a:t>number</a:t>
+          </a:r>
+          <a:r>
+            <a:rPr lang="id-ID" sz="1050" kern="1200" dirty="0">
               <a:latin typeface="Lao UI" panose="020B0502040204020203" pitchFamily="34" charset="0"/>
               <a:cs typeface="Lao UI" panose="020B0502040204020203" pitchFamily="34" charset="0"/>
             </a:rPr>
             <a:t> </a:t>
           </a:r>
           <a:r>
-            <a:rPr lang="en-US" sz="1050" kern="1200">
-              <a:latin typeface="Lao UI" panose="020B0502040204020203" pitchFamily="34" charset="0"/>
-              <a:cs typeface="Lao UI" panose="020B0502040204020203" pitchFamily="34" charset="0"/>
-            </a:rPr>
-            <a:t>JP Nagar and HSR have many,</a:t>
-          </a:r>
-          <a:r>
-            <a:rPr lang="id-ID" sz="1050" kern="1200">
+            <a:rPr lang="id-ID" sz="1050" kern="1200" dirty="0" err="1">
+              <a:latin typeface="Lao UI" panose="020B0502040204020203" pitchFamily="34" charset="0"/>
+              <a:cs typeface="Lao UI" panose="020B0502040204020203" pitchFamily="34" charset="0"/>
+            </a:rPr>
+            <a:t>of</a:t>
+          </a:r>
+          <a:r>
+            <a:rPr lang="id-ID" sz="1050" kern="1200" dirty="0">
               <a:latin typeface="Lao UI" panose="020B0502040204020203" pitchFamily="34" charset="0"/>
               <a:cs typeface="Lao UI" panose="020B0502040204020203" pitchFamily="34" charset="0"/>
             </a:rPr>
             <a:t> </a:t>
           </a:r>
           <a:r>
-            <a:rPr lang="en-US" sz="1050" kern="1200">
+            <a:rPr lang="en-US" sz="1050" kern="1200" dirty="0">
+              <a:latin typeface="Lao UI" panose="020B0502040204020203" pitchFamily="34" charset="0"/>
+              <a:cs typeface="Lao UI" panose="020B0502040204020203" pitchFamily="34" charset="0"/>
+            </a:rPr>
+            <a:t>cafes around HSR have many,</a:t>
+          </a:r>
+          <a:r>
+            <a:rPr lang="id-ID" sz="1050" kern="1200" dirty="0">
+              <a:latin typeface="Lao UI" panose="020B0502040204020203" pitchFamily="34" charset="0"/>
+              <a:cs typeface="Lao UI" panose="020B0502040204020203" pitchFamily="34" charset="0"/>
+            </a:rPr>
+            <a:t> </a:t>
+          </a:r>
+          <a:r>
+            <a:rPr lang="en-US" sz="1050" kern="1200" dirty="0">
               <a:latin typeface="Lao UI" panose="020B0502040204020203" pitchFamily="34" charset="0"/>
               <a:cs typeface="Lao UI" panose="020B0502040204020203" pitchFamily="34" charset="0"/>
             </a:rPr>
@@ -10218,8 +10241,8 @@
         </a:p>
       </dsp:txBody>
       <dsp:txXfrm>
-        <a:off x="2398760" y="1234711"/>
-        <a:ext cx="1420312" cy="763417"/>
+        <a:off x="2305090" y="1309462"/>
+        <a:ext cx="1506445" cy="677900"/>
       </dsp:txXfrm>
     </dsp:sp>
     <dsp:sp modelId="{D531356F-ACF9-4EE0-ACD2-D4ED555DBE5C}">
@@ -10229,8 +10252,8 @@
       </dsp:nvSpPr>
       <dsp:spPr>
         <a:xfrm>
-          <a:off x="4458213" y="334491"/>
-          <a:ext cx="639140" cy="639140"/>
+          <a:off x="4489436" y="370482"/>
+          <a:ext cx="677900" cy="677900"/>
         </a:xfrm>
         <a:prstGeom prst="rect">
           <a:avLst/>
@@ -10279,8 +10302,8 @@
       </dsp:nvSpPr>
       <dsp:spPr>
         <a:xfrm>
-          <a:off x="4067627" y="1234711"/>
-          <a:ext cx="1420312" cy="763417"/>
+          <a:off x="4075163" y="1309462"/>
+          <a:ext cx="1506445" cy="677900"/>
         </a:xfrm>
         <a:prstGeom prst="rect">
           <a:avLst/>
@@ -10322,31 +10345,31 @@
             <a:buNone/>
           </a:pPr>
           <a:r>
-            <a:rPr lang="en-US" sz="1050" kern="1200">
+            <a:rPr lang="en-US" sz="1050" kern="1200" dirty="0">
               <a:latin typeface="Lao UI" panose="020B0502040204020203" pitchFamily="34" charset="0"/>
               <a:cs typeface="Lao UI" panose="020B0502040204020203" pitchFamily="34" charset="0"/>
             </a:rPr>
             <a:t>But if </a:t>
           </a:r>
           <a:r>
-            <a:rPr lang="id-ID" sz="1050" kern="1200">
+            <a:rPr lang="id-ID" sz="1050" kern="1200" dirty="0" err="1">
               <a:latin typeface="Lao UI" panose="020B0502040204020203" pitchFamily="34" charset="0"/>
               <a:cs typeface="Lao UI" panose="020B0502040204020203" pitchFamily="34" charset="0"/>
             </a:rPr>
             <a:t>we</a:t>
           </a:r>
           <a:r>
-            <a:rPr lang="en-US" sz="1050" kern="1200">
-              <a:latin typeface="Lao UI" panose="020B0502040204020203" pitchFamily="34" charset="0"/>
-              <a:cs typeface="Lao UI" panose="020B0502040204020203" pitchFamily="34" charset="0"/>
-            </a:rPr>
-            <a:t> want to be open for online ordering service as well, then JP Nagar and HSR are better</a:t>
+            <a:rPr lang="en-US" sz="1050" kern="1200" dirty="0">
+              <a:latin typeface="Lao UI" panose="020B0502040204020203" pitchFamily="34" charset="0"/>
+              <a:cs typeface="Lao UI" panose="020B0502040204020203" pitchFamily="34" charset="0"/>
+            </a:rPr>
+            <a:t> want to be open for online ordering service as well, then HSR is better</a:t>
           </a:r>
         </a:p>
       </dsp:txBody>
       <dsp:txXfrm>
-        <a:off x="4067627" y="1234711"/>
-        <a:ext cx="1420312" cy="763417"/>
+        <a:off x="4075163" y="1309462"/>
+        <a:ext cx="1506445" cy="677900"/>
       </dsp:txXfrm>
     </dsp:sp>
     <dsp:sp modelId="{E4A24F43-358C-4103-BB4B-C25DC8F131F8}">
@@ -10356,8 +10379,8 @@
       </dsp:nvSpPr>
       <dsp:spPr>
         <a:xfrm>
-          <a:off x="6127080" y="334491"/>
-          <a:ext cx="639140" cy="639140"/>
+          <a:off x="6259509" y="370482"/>
+          <a:ext cx="677900" cy="677900"/>
         </a:xfrm>
         <a:prstGeom prst="rect">
           <a:avLst/>
@@ -10406,8 +10429,8 @@
       </dsp:nvSpPr>
       <dsp:spPr>
         <a:xfrm>
-          <a:off x="5736494" y="1234711"/>
-          <a:ext cx="1420312" cy="763417"/>
+          <a:off x="5845237" y="1309462"/>
+          <a:ext cx="1506445" cy="677900"/>
         </a:xfrm>
         <a:prstGeom prst="rect">
           <a:avLst/>
@@ -10486,8 +10509,8 @@
         </a:p>
       </dsp:txBody>
       <dsp:txXfrm>
-        <a:off x="5736494" y="1234711"/>
-        <a:ext cx="1420312" cy="763417"/>
+        <a:off x="5845237" y="1309462"/>
+        <a:ext cx="1506445" cy="677900"/>
       </dsp:txXfrm>
     </dsp:sp>
     <dsp:sp modelId="{0FDA69A9-A52D-4DED-B2EB-3E11EDFD5B6A}">
@@ -10497,8 +10520,8 @@
       </dsp:nvSpPr>
       <dsp:spPr>
         <a:xfrm>
-          <a:off x="3623779" y="2353208"/>
-          <a:ext cx="639140" cy="639140"/>
+          <a:off x="3604399" y="2363974"/>
+          <a:ext cx="677900" cy="677900"/>
         </a:xfrm>
         <a:prstGeom prst="rect">
           <a:avLst/>
@@ -10547,8 +10570,8 @@
       </dsp:nvSpPr>
       <dsp:spPr>
         <a:xfrm>
-          <a:off x="3233193" y="3253428"/>
-          <a:ext cx="1420312" cy="763417"/>
+          <a:off x="3190127" y="3302955"/>
+          <a:ext cx="1506445" cy="677900"/>
         </a:xfrm>
         <a:prstGeom prst="rect">
           <a:avLst/>
@@ -10631,8 +10654,8 @@
         </a:p>
       </dsp:txBody>
       <dsp:txXfrm>
-        <a:off x="3233193" y="3253428"/>
-        <a:ext cx="1420312" cy="763417"/>
+        <a:off x="3190127" y="3302955"/>
+        <a:ext cx="1506445" cy="677900"/>
       </dsp:txXfrm>
     </dsp:sp>
   </dsp:spTree>
@@ -20995,6 +21018,49 @@
           </a:graphicData>
         </a:graphic>
       </p:graphicFrame>
+      <p:sp>
+        <p:nvSpPr>
+          <p:cNvPr id="3" name="TextBox 2">
+            <a:hlinkClick r:id="rId7"/>
+            <a:extLst>
+              <a:ext uri="{FF2B5EF4-FFF2-40B4-BE49-F238E27FC236}">
+                <a16:creationId xmlns:a16="http://schemas.microsoft.com/office/drawing/2014/main" id="{6B94A6EA-C016-46FF-9FFA-AA3EA9EDAB14}"/>
+              </a:ext>
+            </a:extLst>
+          </p:cNvPr>
+          <p:cNvSpPr txBox="1"/>
+          <p:nvPr/>
+        </p:nvSpPr>
+        <p:spPr>
+          <a:xfrm>
+            <a:off x="553673" y="6264139"/>
+            <a:ext cx="6451134" cy="369332"/>
+          </a:xfrm>
+          <a:prstGeom prst="rect">
+            <a:avLst/>
+          </a:prstGeom>
+          <a:noFill/>
+        </p:spPr>
+        <p:txBody>
+          <a:bodyPr wrap="square" rtlCol="0">
+            <a:spAutoFit/>
+          </a:bodyPr>
+          <a:lstStyle/>
+          <a:p>
+            <a:r>
+              <a:rPr lang="en-IN" dirty="0"/>
+              <a:t>Link to data scraped from Zomato: </a:t>
+            </a:r>
+            <a:r>
+              <a:rPr lang="en-IN" dirty="0">
+                <a:hlinkClick r:id="rId7"/>
+              </a:rPr>
+              <a:t>here</a:t>
+            </a:r>
+            <a:endParaRPr lang="en-IN" dirty="0"/>
+          </a:p>
+        </p:txBody>
+      </p:sp>
     </p:spTree>
     <p:extLst>
       <p:ext uri="{BB962C8B-B14F-4D97-AF65-F5344CB8AC3E}">
@@ -21009,6 +21075,1253 @@
 </file>
 
 <file path=ppt/slides/slide4.xml><?xml version="1.0" encoding="utf-8"?>
+<p:sld xmlns:a="http://schemas.openxmlformats.org/drawingml/2006/main" xmlns:r="http://schemas.openxmlformats.org/officeDocument/2006/relationships" xmlns:p="http://schemas.openxmlformats.org/presentationml/2006/main">
+  <p:cSld>
+    <p:bg>
+      <p:bgPr>
+        <a:solidFill>
+          <a:schemeClr val="bg1"/>
+        </a:solidFill>
+        <a:effectLst/>
+      </p:bgPr>
+    </p:bg>
+    <p:spTree>
+      <p:nvGrpSpPr>
+        <p:cNvPr id="1" name=""/>
+        <p:cNvGrpSpPr/>
+        <p:nvPr/>
+      </p:nvGrpSpPr>
+      <p:grpSpPr>
+        <a:xfrm>
+          <a:off x="0" y="0"/>
+          <a:ext cx="0" cy="0"/>
+          <a:chOff x="0" y="0"/>
+          <a:chExt cx="0" cy="0"/>
+        </a:xfrm>
+      </p:grpSpPr>
+      <p:sp>
+        <p:nvSpPr>
+          <p:cNvPr id="10" name="Rectangle 9">
+            <a:extLst>
+              <a:ext uri="{FF2B5EF4-FFF2-40B4-BE49-F238E27FC236}">
+                <a16:creationId xmlns:a16="http://schemas.microsoft.com/office/drawing/2014/main" id="{823AC064-BC96-4F32-8AE1-B2FD38754823}"/>
+              </a:ext>
+              <a:ext uri="{C183D7F6-B498-43B3-948B-1728B52AA6E4}">
+                <adec:decorative xmlns:adec="http://schemas.microsoft.com/office/drawing/2017/decorative" val="1"/>
+              </a:ext>
+            </a:extLst>
+          </p:cNvPr>
+          <p:cNvSpPr>
+            <a:spLocks noGrp="1" noRot="1" noChangeAspect="1" noMove="1" noResize="1" noEditPoints="1" noAdjustHandles="1" noChangeArrowheads="1" noChangeShapeType="1" noTextEdit="1"/>
+          </p:cNvSpPr>
+          <p:nvPr>
+            <p:extLst>
+              <p:ext uri="{386F3935-93C4-4BCD-93E2-E3B085C9AB24}">
+                <p16:designElem xmlns:p16="http://schemas.microsoft.com/office/powerpoint/2015/main" val="1"/>
+              </p:ext>
+            </p:extLst>
+          </p:nvPr>
+        </p:nvSpPr>
+        <p:spPr bwMode="ltGray">
+          <a:xfrm>
+            <a:off x="297661" y="280374"/>
+            <a:ext cx="8579095" cy="1844256"/>
+          </a:xfrm>
+          <a:prstGeom prst="rect">
+            <a:avLst/>
+          </a:prstGeom>
+          <a:solidFill>
+            <a:srgbClr val="404040"/>
+          </a:solidFill>
+          <a:ln w="127000" cap="sq" cmpd="thinThick">
+            <a:solidFill>
+              <a:srgbClr val="404040"/>
+            </a:solidFill>
+          </a:ln>
+        </p:spPr>
+        <p:style>
+          <a:lnRef idx="2">
+            <a:schemeClr val="accent1">
+              <a:shade val="50000"/>
+            </a:schemeClr>
+          </a:lnRef>
+          <a:fillRef idx="1">
+            <a:schemeClr val="accent1"/>
+          </a:fillRef>
+          <a:effectRef idx="0">
+            <a:schemeClr val="accent1"/>
+          </a:effectRef>
+          <a:fontRef idx="minor">
+            <a:schemeClr val="lt1"/>
+          </a:fontRef>
+        </p:style>
+        <p:txBody>
+          <a:bodyPr rtlCol="0" anchor="ctr"/>
+          <a:lstStyle/>
+          <a:p>
+            <a:pPr algn="ctr"/>
+            <a:endParaRPr lang="en-US"/>
+          </a:p>
+        </p:txBody>
+      </p:sp>
+      <p:sp>
+        <p:nvSpPr>
+          <p:cNvPr id="2" name="Title 1">
+            <a:extLst>
+              <a:ext uri="{FF2B5EF4-FFF2-40B4-BE49-F238E27FC236}">
+                <a16:creationId xmlns:a16="http://schemas.microsoft.com/office/drawing/2014/main" id="{EF6A7C64-D503-41A8-88B9-763C18B40816}"/>
+              </a:ext>
+            </a:extLst>
+          </p:cNvPr>
+          <p:cNvSpPr>
+            <a:spLocks noGrp="1"/>
+          </p:cNvSpPr>
+          <p:nvPr>
+            <p:ph type="title"/>
+          </p:nvPr>
+        </p:nvSpPr>
+        <p:spPr>
+          <a:xfrm>
+            <a:off x="409763" y="433545"/>
+            <a:ext cx="8354890" cy="930447"/>
+          </a:xfrm>
+        </p:spPr>
+        <p:txBody>
+          <a:bodyPr vert="horz" lIns="91440" tIns="45720" rIns="91440" bIns="45720" rtlCol="0" anchor="b">
+            <a:normAutofit/>
+          </a:bodyPr>
+          <a:lstStyle/>
+          <a:p>
+            <a:pPr algn="ctr"/>
+            <a:r>
+              <a:rPr lang="en-US" sz="4700">
+                <a:solidFill>
+                  <a:srgbClr val="FFFFFF"/>
+                </a:solidFill>
+              </a:rPr>
+              <a:t>Analysis</a:t>
+            </a:r>
+          </a:p>
+        </p:txBody>
+      </p:sp>
+      <p:cxnSp>
+        <p:nvCxnSpPr>
+          <p:cNvPr id="12" name="Straight Connector 11">
+            <a:extLst>
+              <a:ext uri="{FF2B5EF4-FFF2-40B4-BE49-F238E27FC236}">
+                <a16:creationId xmlns:a16="http://schemas.microsoft.com/office/drawing/2014/main" id="{7E7C77BC-7138-40B1-A15B-20F57A494629}"/>
+              </a:ext>
+              <a:ext uri="{C183D7F6-B498-43B3-948B-1728B52AA6E4}">
+                <adec:decorative xmlns:adec="http://schemas.microsoft.com/office/drawing/2017/decorative" val="1"/>
+              </a:ext>
+            </a:extLst>
+          </p:cNvPr>
+          <p:cNvCxnSpPr>
+            <a:cxnSpLocks noGrp="1" noRot="1" noChangeAspect="1" noMove="1" noResize="1" noEditPoints="1" noAdjustHandles="1" noChangeArrowheads="1" noChangeShapeType="1"/>
+          </p:cNvCxnSpPr>
+          <p:nvPr>
+            <p:extLst>
+              <p:ext uri="{386F3935-93C4-4BCD-93E2-E3B085C9AB24}">
+                <p16:designElem xmlns:p16="http://schemas.microsoft.com/office/powerpoint/2015/main" val="1"/>
+              </p:ext>
+            </p:extLst>
+          </p:nvPr>
+        </p:nvCxnSpPr>
+        <p:spPr>
+          <a:xfrm>
+            <a:off x="1672558" y="1522292"/>
+            <a:ext cx="5829300" cy="0"/>
+          </a:xfrm>
+          <a:prstGeom prst="line">
+            <a:avLst/>
+          </a:prstGeom>
+          <a:ln w="22225">
+            <a:solidFill>
+              <a:srgbClr val="D9D9D9"/>
+            </a:solidFill>
+          </a:ln>
+        </p:spPr>
+        <p:style>
+          <a:lnRef idx="1">
+            <a:schemeClr val="accent1"/>
+          </a:lnRef>
+          <a:fillRef idx="0">
+            <a:schemeClr val="accent1"/>
+          </a:fillRef>
+          <a:effectRef idx="0">
+            <a:schemeClr val="accent1"/>
+          </a:effectRef>
+          <a:fontRef idx="minor">
+            <a:schemeClr val="tx1"/>
+          </a:fontRef>
+        </p:style>
+      </p:cxnSp>
+      <p:pic>
+        <p:nvPicPr>
+          <p:cNvPr id="5" name="Picture 4" descr="A screenshot of a cell phone&#10;&#10;Description automatically generated">
+            <a:extLst>
+              <a:ext uri="{FF2B5EF4-FFF2-40B4-BE49-F238E27FC236}">
+                <a16:creationId xmlns:a16="http://schemas.microsoft.com/office/drawing/2014/main" id="{DC09E48C-B790-4894-AFEE-AF1B96477D98}"/>
+              </a:ext>
+            </a:extLst>
+          </p:cNvPr>
+          <p:cNvPicPr/>
+          <p:nvPr/>
+        </p:nvPicPr>
+        <p:blipFill>
+          <a:blip r:embed="rId2">
+            <a:extLst>
+              <a:ext uri="{28A0092B-C50C-407E-A947-70E740481C1C}">
+                <a14:useLocalDpi xmlns:a14="http://schemas.microsoft.com/office/drawing/2010/main" val="0"/>
+              </a:ext>
+            </a:extLst>
+          </a:blip>
+          <a:stretch>
+            <a:fillRect/>
+          </a:stretch>
+        </p:blipFill>
+        <p:spPr>
+          <a:xfrm>
+            <a:off x="218257" y="2426817"/>
+            <a:ext cx="2910823" cy="3997637"/>
+          </a:xfrm>
+          <a:prstGeom prst="rect">
+            <a:avLst/>
+          </a:prstGeom>
+        </p:spPr>
+      </p:pic>
+      <p:cxnSp>
+        <p:nvCxnSpPr>
+          <p:cNvPr id="14" name="Straight Connector 13">
+            <a:extLst>
+              <a:ext uri="{FF2B5EF4-FFF2-40B4-BE49-F238E27FC236}">
+                <a16:creationId xmlns:a16="http://schemas.microsoft.com/office/drawing/2014/main" id="{DB146403-F3D6-484B-B2ED-97F9565D0370}"/>
+              </a:ext>
+              <a:ext uri="{C183D7F6-B498-43B3-948B-1728B52AA6E4}">
+                <adec:decorative xmlns:adec="http://schemas.microsoft.com/office/drawing/2017/decorative" val="1"/>
+              </a:ext>
+            </a:extLst>
+          </p:cNvPr>
+          <p:cNvCxnSpPr>
+            <a:cxnSpLocks noGrp="1" noRot="1" noChangeAspect="1" noMove="1" noResize="1" noEditPoints="1" noAdjustHandles="1" noChangeArrowheads="1" noChangeShapeType="1"/>
+          </p:cNvCxnSpPr>
+          <p:nvPr>
+            <p:extLst>
+              <p:ext uri="{386F3935-93C4-4BCD-93E2-E3B085C9AB24}">
+                <p16:designElem xmlns:p16="http://schemas.microsoft.com/office/powerpoint/2015/main" val="1"/>
+              </p:ext>
+            </p:extLst>
+          </p:nvPr>
+        </p:nvCxnSpPr>
+        <p:spPr>
+          <a:xfrm>
+            <a:off x="4587208" y="2596836"/>
+            <a:ext cx="0" cy="3657600"/>
+          </a:xfrm>
+          <a:prstGeom prst="line">
+            <a:avLst/>
+          </a:prstGeom>
+          <a:ln w="101600" cmpd="dbl">
+            <a:solidFill>
+              <a:srgbClr val="595959"/>
+            </a:solidFill>
+          </a:ln>
+        </p:spPr>
+        <p:style>
+          <a:lnRef idx="1">
+            <a:schemeClr val="accent1"/>
+          </a:lnRef>
+          <a:fillRef idx="0">
+            <a:schemeClr val="accent1"/>
+          </a:fillRef>
+          <a:effectRef idx="0">
+            <a:schemeClr val="accent1"/>
+          </a:effectRef>
+          <a:fontRef idx="minor">
+            <a:schemeClr val="tx1"/>
+          </a:fontRef>
+        </p:style>
+      </p:cxnSp>
+      <p:pic>
+        <p:nvPicPr>
+          <p:cNvPr id="4" name="Picture 3" descr="A close up of a logo&#10;&#10;Description automatically generated">
+            <a:extLst>
+              <a:ext uri="{FF2B5EF4-FFF2-40B4-BE49-F238E27FC236}">
+                <a16:creationId xmlns:a16="http://schemas.microsoft.com/office/drawing/2014/main" id="{C17CEE00-33BE-4F48-A5B5-3ACB5FC4DBDA}"/>
+              </a:ext>
+            </a:extLst>
+          </p:cNvPr>
+          <p:cNvPicPr/>
+          <p:nvPr/>
+        </p:nvPicPr>
+        <p:blipFill>
+          <a:blip r:embed="rId3">
+            <a:extLst>
+              <a:ext uri="{28A0092B-C50C-407E-A947-70E740481C1C}">
+                <a14:useLocalDpi xmlns:a14="http://schemas.microsoft.com/office/drawing/2010/main" val="0"/>
+              </a:ext>
+            </a:extLst>
+          </a:blip>
+          <a:stretch>
+            <a:fillRect/>
+          </a:stretch>
+        </p:blipFill>
+        <p:spPr>
+          <a:xfrm>
+            <a:off x="4832139" y="2596835"/>
+            <a:ext cx="4093603" cy="2218445"/>
+          </a:xfrm>
+          <a:prstGeom prst="rect">
+            <a:avLst/>
+          </a:prstGeom>
+        </p:spPr>
+      </p:pic>
+      <p:sp>
+        <p:nvSpPr>
+          <p:cNvPr id="6" name="TextBox 5">
+            <a:extLst>
+              <a:ext uri="{FF2B5EF4-FFF2-40B4-BE49-F238E27FC236}">
+                <a16:creationId xmlns:a16="http://schemas.microsoft.com/office/drawing/2014/main" id="{A5F96D6E-05CA-4477-9658-CB57E5421AFC}"/>
+              </a:ext>
+            </a:extLst>
+          </p:cNvPr>
+          <p:cNvSpPr txBox="1"/>
+          <p:nvPr/>
+        </p:nvSpPr>
+        <p:spPr>
+          <a:xfrm>
+            <a:off x="2850761" y="2378430"/>
+            <a:ext cx="1543563" cy="1200329"/>
+          </a:xfrm>
+          <a:prstGeom prst="rect">
+            <a:avLst/>
+          </a:prstGeom>
+          <a:noFill/>
+        </p:spPr>
+        <p:txBody>
+          <a:bodyPr wrap="square" rtlCol="0">
+            <a:spAutoFit/>
+          </a:bodyPr>
+          <a:lstStyle/>
+          <a:p>
+            <a:r>
+              <a:rPr lang="en-IN" sz="1200" dirty="0">
+                <a:latin typeface="Lao UI" panose="020B0502040204020203" pitchFamily="34" charset="0"/>
+                <a:cs typeface="Lao UI" panose="020B0502040204020203" pitchFamily="34" charset="0"/>
+              </a:rPr>
+              <a:t>#best rated cafes/total# cafes to understand the location with necessity for a good cafe</a:t>
+            </a:r>
+          </a:p>
+        </p:txBody>
+      </p:sp>
+      <p:pic>
+        <p:nvPicPr>
+          <p:cNvPr id="8" name="Picture 7" descr="A close up of a logo&#10;&#10;Description automatically generated">
+            <a:extLst>
+              <a:ext uri="{FF2B5EF4-FFF2-40B4-BE49-F238E27FC236}">
+                <a16:creationId xmlns:a16="http://schemas.microsoft.com/office/drawing/2014/main" id="{68304C5A-ED31-4346-9D20-5A9B7051B82C}"/>
+              </a:ext>
+            </a:extLst>
+          </p:cNvPr>
+          <p:cNvPicPr>
+            <a:picLocks noChangeAspect="1"/>
+          </p:cNvPicPr>
+          <p:nvPr/>
+        </p:nvPicPr>
+        <p:blipFill>
+          <a:blip r:embed="rId4">
+            <a:extLst>
+              <a:ext uri="{28A0092B-C50C-407E-A947-70E740481C1C}">
+                <a14:useLocalDpi xmlns:a14="http://schemas.microsoft.com/office/drawing/2010/main" val="0"/>
+              </a:ext>
+            </a:extLst>
+          </a:blip>
+          <a:stretch>
+            <a:fillRect/>
+          </a:stretch>
+        </p:blipFill>
+        <p:spPr>
+          <a:xfrm>
+            <a:off x="4780093" y="4907760"/>
+            <a:ext cx="4093604" cy="1578412"/>
+          </a:xfrm>
+          <a:prstGeom prst="rect">
+            <a:avLst/>
+          </a:prstGeom>
+        </p:spPr>
+      </p:pic>
+      <p:sp>
+        <p:nvSpPr>
+          <p:cNvPr id="9" name="TextBox 8">
+            <a:extLst>
+              <a:ext uri="{FF2B5EF4-FFF2-40B4-BE49-F238E27FC236}">
+                <a16:creationId xmlns:a16="http://schemas.microsoft.com/office/drawing/2014/main" id="{03C15638-7B33-4307-8C93-7C0BF43D5DCC}"/>
+              </a:ext>
+            </a:extLst>
+          </p:cNvPr>
+          <p:cNvSpPr txBox="1"/>
+          <p:nvPr/>
+        </p:nvSpPr>
+        <p:spPr>
+          <a:xfrm>
+            <a:off x="3281966" y="3734581"/>
+            <a:ext cx="1427708" cy="830997"/>
+          </a:xfrm>
+          <a:prstGeom prst="rect">
+            <a:avLst/>
+          </a:prstGeom>
+          <a:noFill/>
+        </p:spPr>
+        <p:txBody>
+          <a:bodyPr wrap="square" rtlCol="0">
+            <a:spAutoFit/>
+          </a:bodyPr>
+          <a:lstStyle/>
+          <a:p>
+            <a:r>
+              <a:rPr lang="en-IN" sz="1200" dirty="0">
+                <a:latin typeface="Lao UI" panose="020B0502040204020203" pitchFamily="34" charset="0"/>
+                <a:cs typeface="Lao UI" panose="020B0502040204020203" pitchFamily="34" charset="0"/>
+              </a:rPr>
+              <a:t>To obtain #cafes per location which had more than 4/5 rating</a:t>
+            </a:r>
+          </a:p>
+        </p:txBody>
+      </p:sp>
+      <p:sp>
+        <p:nvSpPr>
+          <p:cNvPr id="13" name="TextBox 12">
+            <a:extLst>
+              <a:ext uri="{FF2B5EF4-FFF2-40B4-BE49-F238E27FC236}">
+                <a16:creationId xmlns:a16="http://schemas.microsoft.com/office/drawing/2014/main" id="{B5066DFE-2667-4211-B6A6-0EC4A21FCDD1}"/>
+              </a:ext>
+            </a:extLst>
+          </p:cNvPr>
+          <p:cNvSpPr txBox="1"/>
+          <p:nvPr/>
+        </p:nvSpPr>
+        <p:spPr>
+          <a:xfrm>
+            <a:off x="3191549" y="5281467"/>
+            <a:ext cx="1427708" cy="830997"/>
+          </a:xfrm>
+          <a:prstGeom prst="rect">
+            <a:avLst/>
+          </a:prstGeom>
+          <a:noFill/>
+        </p:spPr>
+        <p:txBody>
+          <a:bodyPr wrap="square" rtlCol="0">
+            <a:spAutoFit/>
+          </a:bodyPr>
+          <a:lstStyle/>
+          <a:p>
+            <a:r>
+              <a:rPr lang="en-IN" sz="1200" dirty="0">
+                <a:latin typeface="Lao UI" panose="020B0502040204020203" pitchFamily="34" charset="0"/>
+                <a:cs typeface="Lao UI" panose="020B0502040204020203" pitchFamily="34" charset="0"/>
+              </a:rPr>
+              <a:t>To obtain #cafes per location which had most #online orders</a:t>
+            </a:r>
+          </a:p>
+        </p:txBody>
+      </p:sp>
+    </p:spTree>
+    <p:extLst>
+      <p:ext uri="{BB962C8B-B14F-4D97-AF65-F5344CB8AC3E}">
+        <p14:creationId xmlns:p14="http://schemas.microsoft.com/office/powerpoint/2010/main" val="3031625551"/>
+      </p:ext>
+    </p:extLst>
+  </p:cSld>
+  <p:clrMapOvr>
+    <a:masterClrMapping/>
+  </p:clrMapOvr>
+</p:sld>
+</file>
+
+<file path=ppt/slides/slide5.xml><?xml version="1.0" encoding="utf-8"?>
+<p:sld xmlns:a="http://schemas.openxmlformats.org/drawingml/2006/main" xmlns:r="http://schemas.openxmlformats.org/officeDocument/2006/relationships" xmlns:p="http://schemas.openxmlformats.org/presentationml/2006/main">
+  <p:cSld>
+    <p:bg>
+      <p:bgPr>
+        <a:solidFill>
+          <a:schemeClr val="bg1"/>
+        </a:solidFill>
+        <a:effectLst/>
+      </p:bgPr>
+    </p:bg>
+    <p:spTree>
+      <p:nvGrpSpPr>
+        <p:cNvPr id="1" name=""/>
+        <p:cNvGrpSpPr/>
+        <p:nvPr/>
+      </p:nvGrpSpPr>
+      <p:grpSpPr>
+        <a:xfrm>
+          <a:off x="0" y="0"/>
+          <a:ext cx="0" cy="0"/>
+          <a:chOff x="0" y="0"/>
+          <a:chExt cx="0" cy="0"/>
+        </a:xfrm>
+      </p:grpSpPr>
+      <p:sp>
+        <p:nvSpPr>
+          <p:cNvPr id="10" name="Rectangle 9">
+            <a:extLst>
+              <a:ext uri="{FF2B5EF4-FFF2-40B4-BE49-F238E27FC236}">
+                <a16:creationId xmlns:a16="http://schemas.microsoft.com/office/drawing/2014/main" id="{823AC064-BC96-4F32-8AE1-B2FD38754823}"/>
+              </a:ext>
+              <a:ext uri="{C183D7F6-B498-43B3-948B-1728B52AA6E4}">
+                <adec:decorative xmlns:adec="http://schemas.microsoft.com/office/drawing/2017/decorative" val="1"/>
+              </a:ext>
+            </a:extLst>
+          </p:cNvPr>
+          <p:cNvSpPr>
+            <a:spLocks noGrp="1" noRot="1" noChangeAspect="1" noMove="1" noResize="1" noEditPoints="1" noAdjustHandles="1" noChangeArrowheads="1" noChangeShapeType="1" noTextEdit="1"/>
+          </p:cNvSpPr>
+          <p:nvPr>
+            <p:extLst>
+              <p:ext uri="{386F3935-93C4-4BCD-93E2-E3B085C9AB24}">
+                <p16:designElem xmlns:p16="http://schemas.microsoft.com/office/powerpoint/2015/main" val="1"/>
+              </p:ext>
+            </p:extLst>
+          </p:nvPr>
+        </p:nvSpPr>
+        <p:spPr bwMode="ltGray">
+          <a:xfrm>
+            <a:off x="297661" y="280374"/>
+            <a:ext cx="8579095" cy="1844256"/>
+          </a:xfrm>
+          <a:prstGeom prst="rect">
+            <a:avLst/>
+          </a:prstGeom>
+          <a:solidFill>
+            <a:srgbClr val="404040"/>
+          </a:solidFill>
+          <a:ln w="127000" cap="sq" cmpd="thinThick">
+            <a:solidFill>
+              <a:srgbClr val="404040"/>
+            </a:solidFill>
+          </a:ln>
+        </p:spPr>
+        <p:style>
+          <a:lnRef idx="2">
+            <a:schemeClr val="accent1">
+              <a:shade val="50000"/>
+            </a:schemeClr>
+          </a:lnRef>
+          <a:fillRef idx="1">
+            <a:schemeClr val="accent1"/>
+          </a:fillRef>
+          <a:effectRef idx="0">
+            <a:schemeClr val="accent1"/>
+          </a:effectRef>
+          <a:fontRef idx="minor">
+            <a:schemeClr val="lt1"/>
+          </a:fontRef>
+        </p:style>
+        <p:txBody>
+          <a:bodyPr rtlCol="0" anchor="ctr"/>
+          <a:lstStyle/>
+          <a:p>
+            <a:pPr algn="ctr"/>
+            <a:endParaRPr lang="en-US"/>
+          </a:p>
+        </p:txBody>
+      </p:sp>
+      <p:sp>
+        <p:nvSpPr>
+          <p:cNvPr id="2" name="Title 1">
+            <a:extLst>
+              <a:ext uri="{FF2B5EF4-FFF2-40B4-BE49-F238E27FC236}">
+                <a16:creationId xmlns:a16="http://schemas.microsoft.com/office/drawing/2014/main" id="{EF6A7C64-D503-41A8-88B9-763C18B40816}"/>
+              </a:ext>
+            </a:extLst>
+          </p:cNvPr>
+          <p:cNvSpPr>
+            <a:spLocks noGrp="1"/>
+          </p:cNvSpPr>
+          <p:nvPr>
+            <p:ph type="title"/>
+          </p:nvPr>
+        </p:nvSpPr>
+        <p:spPr>
+          <a:xfrm>
+            <a:off x="409763" y="433545"/>
+            <a:ext cx="8354890" cy="930447"/>
+          </a:xfrm>
+        </p:spPr>
+        <p:txBody>
+          <a:bodyPr vert="horz" lIns="91440" tIns="45720" rIns="91440" bIns="45720" rtlCol="0" anchor="b">
+            <a:normAutofit/>
+          </a:bodyPr>
+          <a:lstStyle/>
+          <a:p>
+            <a:pPr algn="ctr"/>
+            <a:r>
+              <a:rPr lang="en-US" sz="4700">
+                <a:solidFill>
+                  <a:srgbClr val="FFFFFF"/>
+                </a:solidFill>
+              </a:rPr>
+              <a:t>Analysis</a:t>
+            </a:r>
+          </a:p>
+        </p:txBody>
+      </p:sp>
+      <p:cxnSp>
+        <p:nvCxnSpPr>
+          <p:cNvPr id="12" name="Straight Connector 11">
+            <a:extLst>
+              <a:ext uri="{FF2B5EF4-FFF2-40B4-BE49-F238E27FC236}">
+                <a16:creationId xmlns:a16="http://schemas.microsoft.com/office/drawing/2014/main" id="{7E7C77BC-7138-40B1-A15B-20F57A494629}"/>
+              </a:ext>
+              <a:ext uri="{C183D7F6-B498-43B3-948B-1728B52AA6E4}">
+                <adec:decorative xmlns:adec="http://schemas.microsoft.com/office/drawing/2017/decorative" val="1"/>
+              </a:ext>
+            </a:extLst>
+          </p:cNvPr>
+          <p:cNvCxnSpPr>
+            <a:cxnSpLocks noGrp="1" noRot="1" noChangeAspect="1" noMove="1" noResize="1" noEditPoints="1" noAdjustHandles="1" noChangeArrowheads="1" noChangeShapeType="1"/>
+          </p:cNvCxnSpPr>
+          <p:nvPr>
+            <p:extLst>
+              <p:ext uri="{386F3935-93C4-4BCD-93E2-E3B085C9AB24}">
+                <p16:designElem xmlns:p16="http://schemas.microsoft.com/office/powerpoint/2015/main" val="1"/>
+              </p:ext>
+            </p:extLst>
+          </p:nvPr>
+        </p:nvCxnSpPr>
+        <p:spPr>
+          <a:xfrm>
+            <a:off x="1672558" y="1522292"/>
+            <a:ext cx="5829300" cy="0"/>
+          </a:xfrm>
+          <a:prstGeom prst="line">
+            <a:avLst/>
+          </a:prstGeom>
+          <a:ln w="22225">
+            <a:solidFill>
+              <a:srgbClr val="D9D9D9"/>
+            </a:solidFill>
+          </a:ln>
+        </p:spPr>
+        <p:style>
+          <a:lnRef idx="1">
+            <a:schemeClr val="accent1"/>
+          </a:lnRef>
+          <a:fillRef idx="0">
+            <a:schemeClr val="accent1"/>
+          </a:fillRef>
+          <a:effectRef idx="0">
+            <a:schemeClr val="accent1"/>
+          </a:effectRef>
+          <a:fontRef idx="minor">
+            <a:schemeClr val="tx1"/>
+          </a:fontRef>
+        </p:style>
+      </p:cxnSp>
+      <p:cxnSp>
+        <p:nvCxnSpPr>
+          <p:cNvPr id="14" name="Straight Connector 13">
+            <a:extLst>
+              <a:ext uri="{FF2B5EF4-FFF2-40B4-BE49-F238E27FC236}">
+                <a16:creationId xmlns:a16="http://schemas.microsoft.com/office/drawing/2014/main" id="{DB146403-F3D6-484B-B2ED-97F9565D0370}"/>
+              </a:ext>
+              <a:ext uri="{C183D7F6-B498-43B3-948B-1728B52AA6E4}">
+                <adec:decorative xmlns:adec="http://schemas.microsoft.com/office/drawing/2017/decorative" val="1"/>
+              </a:ext>
+            </a:extLst>
+          </p:cNvPr>
+          <p:cNvCxnSpPr>
+            <a:cxnSpLocks noGrp="1" noRot="1" noChangeAspect="1" noMove="1" noResize="1" noEditPoints="1" noAdjustHandles="1" noChangeArrowheads="1" noChangeShapeType="1"/>
+          </p:cNvCxnSpPr>
+          <p:nvPr>
+            <p:extLst>
+              <p:ext uri="{386F3935-93C4-4BCD-93E2-E3B085C9AB24}">
+                <p16:designElem xmlns:p16="http://schemas.microsoft.com/office/powerpoint/2015/main" val="1"/>
+              </p:ext>
+            </p:extLst>
+          </p:nvPr>
+        </p:nvCxnSpPr>
+        <p:spPr>
+          <a:xfrm>
+            <a:off x="4587208" y="2596836"/>
+            <a:ext cx="0" cy="3657600"/>
+          </a:xfrm>
+          <a:prstGeom prst="line">
+            <a:avLst/>
+          </a:prstGeom>
+          <a:ln w="101600" cmpd="dbl">
+            <a:solidFill>
+              <a:srgbClr val="595959"/>
+            </a:solidFill>
+          </a:ln>
+        </p:spPr>
+        <p:style>
+          <a:lnRef idx="1">
+            <a:schemeClr val="accent1"/>
+          </a:lnRef>
+          <a:fillRef idx="0">
+            <a:schemeClr val="accent1"/>
+          </a:fillRef>
+          <a:effectRef idx="0">
+            <a:schemeClr val="accent1"/>
+          </a:effectRef>
+          <a:fontRef idx="minor">
+            <a:schemeClr val="tx1"/>
+          </a:fontRef>
+        </p:style>
+      </p:cxnSp>
+      <p:pic>
+        <p:nvPicPr>
+          <p:cNvPr id="7" name="Picture 6" descr="A close up of a map&#10;&#10;Description automatically generated">
+            <a:extLst>
+              <a:ext uri="{FF2B5EF4-FFF2-40B4-BE49-F238E27FC236}">
+                <a16:creationId xmlns:a16="http://schemas.microsoft.com/office/drawing/2014/main" id="{6C0CB6A9-0871-4E97-A30F-E26D436EEF75}"/>
+              </a:ext>
+            </a:extLst>
+          </p:cNvPr>
+          <p:cNvPicPr>
+            <a:picLocks noChangeAspect="1"/>
+          </p:cNvPicPr>
+          <p:nvPr/>
+        </p:nvPicPr>
+        <p:blipFill rotWithShape="1">
+          <a:blip r:embed="rId2">
+            <a:extLst>
+              <a:ext uri="{28A0092B-C50C-407E-A947-70E740481C1C}">
+                <a14:useLocalDpi xmlns:a14="http://schemas.microsoft.com/office/drawing/2010/main" val="0"/>
+              </a:ext>
+            </a:extLst>
+          </a:blip>
+          <a:srcRect t="2945" r="917"/>
+          <a:stretch/>
+        </p:blipFill>
+        <p:spPr>
+          <a:xfrm>
+            <a:off x="196984" y="2428256"/>
+            <a:ext cx="4160934" cy="2001487"/>
+          </a:xfrm>
+          <a:prstGeom prst="rect">
+            <a:avLst/>
+          </a:prstGeom>
+        </p:spPr>
+      </p:pic>
+      <p:pic>
+        <p:nvPicPr>
+          <p:cNvPr id="15" name="Picture 14" descr="A close up of a map&#10;&#10;Description automatically generated">
+            <a:extLst>
+              <a:ext uri="{FF2B5EF4-FFF2-40B4-BE49-F238E27FC236}">
+                <a16:creationId xmlns:a16="http://schemas.microsoft.com/office/drawing/2014/main" id="{FECF6300-7E1B-44AD-87DA-3279E4DDF097}"/>
+              </a:ext>
+            </a:extLst>
+          </p:cNvPr>
+          <p:cNvPicPr>
+            <a:picLocks noChangeAspect="1"/>
+          </p:cNvPicPr>
+          <p:nvPr/>
+        </p:nvPicPr>
+        <p:blipFill>
+          <a:blip r:embed="rId3">
+            <a:extLst>
+              <a:ext uri="{28A0092B-C50C-407E-A947-70E740481C1C}">
+                <a14:useLocalDpi xmlns:a14="http://schemas.microsoft.com/office/drawing/2010/main" val="0"/>
+              </a:ext>
+            </a:extLst>
+          </a:blip>
+          <a:stretch>
+            <a:fillRect/>
+          </a:stretch>
+        </p:blipFill>
+        <p:spPr>
+          <a:xfrm>
+            <a:off x="4704396" y="2524555"/>
+            <a:ext cx="4276413" cy="1905188"/>
+          </a:xfrm>
+          <a:prstGeom prst="rect">
+            <a:avLst/>
+          </a:prstGeom>
+        </p:spPr>
+      </p:pic>
+      <p:sp>
+        <p:nvSpPr>
+          <p:cNvPr id="16" name="TextBox 15">
+            <a:extLst>
+              <a:ext uri="{FF2B5EF4-FFF2-40B4-BE49-F238E27FC236}">
+                <a16:creationId xmlns:a16="http://schemas.microsoft.com/office/drawing/2014/main" id="{BCB7435F-D827-483D-B302-A2633D7438DE}"/>
+              </a:ext>
+            </a:extLst>
+          </p:cNvPr>
+          <p:cNvSpPr txBox="1"/>
+          <p:nvPr/>
+        </p:nvSpPr>
+        <p:spPr>
+          <a:xfrm>
+            <a:off x="297661" y="4647501"/>
+            <a:ext cx="4060246" cy="646331"/>
+          </a:xfrm>
+          <a:prstGeom prst="rect">
+            <a:avLst/>
+          </a:prstGeom>
+          <a:noFill/>
+        </p:spPr>
+        <p:txBody>
+          <a:bodyPr wrap="square" rtlCol="0">
+            <a:spAutoFit/>
+          </a:bodyPr>
+          <a:lstStyle/>
+          <a:p>
+            <a:r>
+              <a:rPr lang="en-IN" dirty="0"/>
+              <a:t>Location heat map showing cafes across </a:t>
+            </a:r>
+            <a:r>
+              <a:rPr lang="en-IN" dirty="0" err="1"/>
+              <a:t>banglore</a:t>
+            </a:r>
+            <a:endParaRPr lang="en-IN" dirty="0"/>
+          </a:p>
+        </p:txBody>
+      </p:sp>
+      <p:sp>
+        <p:nvSpPr>
+          <p:cNvPr id="17" name="TextBox 16">
+            <a:extLst>
+              <a:ext uri="{FF2B5EF4-FFF2-40B4-BE49-F238E27FC236}">
+                <a16:creationId xmlns:a16="http://schemas.microsoft.com/office/drawing/2014/main" id="{138C0E12-0E66-4770-B318-D1677B1104D8}"/>
+              </a:ext>
+            </a:extLst>
+          </p:cNvPr>
+          <p:cNvSpPr txBox="1"/>
+          <p:nvPr/>
+        </p:nvSpPr>
+        <p:spPr>
+          <a:xfrm>
+            <a:off x="4739597" y="4647500"/>
+            <a:ext cx="4060246" cy="923330"/>
+          </a:xfrm>
+          <a:prstGeom prst="rect">
+            <a:avLst/>
+          </a:prstGeom>
+          <a:noFill/>
+        </p:spPr>
+        <p:txBody>
+          <a:bodyPr wrap="square" rtlCol="0">
+            <a:spAutoFit/>
+          </a:bodyPr>
+          <a:lstStyle/>
+          <a:p>
+            <a:r>
+              <a:rPr lang="en-IN" dirty="0"/>
+              <a:t>Location heat map showing neighbourhood restaurants across </a:t>
+            </a:r>
+            <a:r>
+              <a:rPr lang="en-IN" dirty="0" err="1"/>
+              <a:t>banglore</a:t>
+            </a:r>
+            <a:endParaRPr lang="en-IN" dirty="0"/>
+          </a:p>
+        </p:txBody>
+      </p:sp>
+    </p:spTree>
+    <p:extLst>
+      <p:ext uri="{BB962C8B-B14F-4D97-AF65-F5344CB8AC3E}">
+        <p14:creationId xmlns:p14="http://schemas.microsoft.com/office/powerpoint/2010/main" val="96080318"/>
+      </p:ext>
+    </p:extLst>
+  </p:cSld>
+  <p:clrMapOvr>
+    <a:masterClrMapping/>
+  </p:clrMapOvr>
+</p:sld>
+</file>
+
+<file path=ppt/slides/slide6.xml><?xml version="1.0" encoding="utf-8"?>
+<p:sld xmlns:a="http://schemas.openxmlformats.org/drawingml/2006/main" xmlns:r="http://schemas.openxmlformats.org/officeDocument/2006/relationships" xmlns:p="http://schemas.openxmlformats.org/presentationml/2006/main">
+  <p:cSld>
+    <p:bg>
+      <p:bgPr>
+        <a:solidFill>
+          <a:schemeClr val="bg1"/>
+        </a:solidFill>
+        <a:effectLst/>
+      </p:bgPr>
+    </p:bg>
+    <p:spTree>
+      <p:nvGrpSpPr>
+        <p:cNvPr id="1" name=""/>
+        <p:cNvGrpSpPr/>
+        <p:nvPr/>
+      </p:nvGrpSpPr>
+      <p:grpSpPr>
+        <a:xfrm>
+          <a:off x="0" y="0"/>
+          <a:ext cx="0" cy="0"/>
+          <a:chOff x="0" y="0"/>
+          <a:chExt cx="0" cy="0"/>
+        </a:xfrm>
+      </p:grpSpPr>
+      <p:sp>
+        <p:nvSpPr>
+          <p:cNvPr id="10" name="Rectangle 9">
+            <a:extLst>
+              <a:ext uri="{FF2B5EF4-FFF2-40B4-BE49-F238E27FC236}">
+                <a16:creationId xmlns:a16="http://schemas.microsoft.com/office/drawing/2014/main" id="{823AC064-BC96-4F32-8AE1-B2FD38754823}"/>
+              </a:ext>
+              <a:ext uri="{C183D7F6-B498-43B3-948B-1728B52AA6E4}">
+                <adec:decorative xmlns:adec="http://schemas.microsoft.com/office/drawing/2017/decorative" val="1"/>
+              </a:ext>
+            </a:extLst>
+          </p:cNvPr>
+          <p:cNvSpPr>
+            <a:spLocks noGrp="1" noRot="1" noChangeAspect="1" noMove="1" noResize="1" noEditPoints="1" noAdjustHandles="1" noChangeArrowheads="1" noChangeShapeType="1" noTextEdit="1"/>
+          </p:cNvSpPr>
+          <p:nvPr>
+            <p:extLst>
+              <p:ext uri="{386F3935-93C4-4BCD-93E2-E3B085C9AB24}">
+                <p16:designElem xmlns:p16="http://schemas.microsoft.com/office/powerpoint/2015/main" val="1"/>
+              </p:ext>
+            </p:extLst>
+          </p:nvPr>
+        </p:nvSpPr>
+        <p:spPr bwMode="ltGray">
+          <a:xfrm>
+            <a:off x="297661" y="280374"/>
+            <a:ext cx="8579095" cy="1844256"/>
+          </a:xfrm>
+          <a:prstGeom prst="rect">
+            <a:avLst/>
+          </a:prstGeom>
+          <a:solidFill>
+            <a:srgbClr val="404040"/>
+          </a:solidFill>
+          <a:ln w="127000" cap="sq" cmpd="thinThick">
+            <a:solidFill>
+              <a:srgbClr val="404040"/>
+            </a:solidFill>
+          </a:ln>
+        </p:spPr>
+        <p:style>
+          <a:lnRef idx="2">
+            <a:schemeClr val="accent1">
+              <a:shade val="50000"/>
+            </a:schemeClr>
+          </a:lnRef>
+          <a:fillRef idx="1">
+            <a:schemeClr val="accent1"/>
+          </a:fillRef>
+          <a:effectRef idx="0">
+            <a:schemeClr val="accent1"/>
+          </a:effectRef>
+          <a:fontRef idx="minor">
+            <a:schemeClr val="lt1"/>
+          </a:fontRef>
+        </p:style>
+        <p:txBody>
+          <a:bodyPr rtlCol="0" anchor="ctr"/>
+          <a:lstStyle/>
+          <a:p>
+            <a:pPr algn="ctr"/>
+            <a:endParaRPr lang="en-US"/>
+          </a:p>
+        </p:txBody>
+      </p:sp>
+      <p:sp>
+        <p:nvSpPr>
+          <p:cNvPr id="2" name="Title 1">
+            <a:extLst>
+              <a:ext uri="{FF2B5EF4-FFF2-40B4-BE49-F238E27FC236}">
+                <a16:creationId xmlns:a16="http://schemas.microsoft.com/office/drawing/2014/main" id="{EF6A7C64-D503-41A8-88B9-763C18B40816}"/>
+              </a:ext>
+            </a:extLst>
+          </p:cNvPr>
+          <p:cNvSpPr>
+            <a:spLocks noGrp="1"/>
+          </p:cNvSpPr>
+          <p:nvPr>
+            <p:ph type="title"/>
+          </p:nvPr>
+        </p:nvSpPr>
+        <p:spPr>
+          <a:xfrm>
+            <a:off x="409763" y="433545"/>
+            <a:ext cx="8354890" cy="930447"/>
+          </a:xfrm>
+        </p:spPr>
+        <p:txBody>
+          <a:bodyPr vert="horz" lIns="91440" tIns="45720" rIns="91440" bIns="45720" rtlCol="0" anchor="b">
+            <a:normAutofit/>
+          </a:bodyPr>
+          <a:lstStyle/>
+          <a:p>
+            <a:pPr algn="ctr"/>
+            <a:r>
+              <a:rPr lang="en-US" sz="4700">
+                <a:solidFill>
+                  <a:srgbClr val="FFFFFF"/>
+                </a:solidFill>
+              </a:rPr>
+              <a:t>Analysis</a:t>
+            </a:r>
+          </a:p>
+        </p:txBody>
+      </p:sp>
+      <p:cxnSp>
+        <p:nvCxnSpPr>
+          <p:cNvPr id="12" name="Straight Connector 11">
+            <a:extLst>
+              <a:ext uri="{FF2B5EF4-FFF2-40B4-BE49-F238E27FC236}">
+                <a16:creationId xmlns:a16="http://schemas.microsoft.com/office/drawing/2014/main" id="{7E7C77BC-7138-40B1-A15B-20F57A494629}"/>
+              </a:ext>
+              <a:ext uri="{C183D7F6-B498-43B3-948B-1728B52AA6E4}">
+                <adec:decorative xmlns:adec="http://schemas.microsoft.com/office/drawing/2017/decorative" val="1"/>
+              </a:ext>
+            </a:extLst>
+          </p:cNvPr>
+          <p:cNvCxnSpPr>
+            <a:cxnSpLocks noGrp="1" noRot="1" noChangeAspect="1" noMove="1" noResize="1" noEditPoints="1" noAdjustHandles="1" noChangeArrowheads="1" noChangeShapeType="1"/>
+          </p:cNvCxnSpPr>
+          <p:nvPr>
+            <p:extLst>
+              <p:ext uri="{386F3935-93C4-4BCD-93E2-E3B085C9AB24}">
+                <p16:designElem xmlns:p16="http://schemas.microsoft.com/office/powerpoint/2015/main" val="1"/>
+              </p:ext>
+            </p:extLst>
+          </p:nvPr>
+        </p:nvCxnSpPr>
+        <p:spPr>
+          <a:xfrm>
+            <a:off x="1672558" y="1522292"/>
+            <a:ext cx="5829300" cy="0"/>
+          </a:xfrm>
+          <a:prstGeom prst="line">
+            <a:avLst/>
+          </a:prstGeom>
+          <a:ln w="22225">
+            <a:solidFill>
+              <a:srgbClr val="D9D9D9"/>
+            </a:solidFill>
+          </a:ln>
+        </p:spPr>
+        <p:style>
+          <a:lnRef idx="1">
+            <a:schemeClr val="accent1"/>
+          </a:lnRef>
+          <a:fillRef idx="0">
+            <a:schemeClr val="accent1"/>
+          </a:fillRef>
+          <a:effectRef idx="0">
+            <a:schemeClr val="accent1"/>
+          </a:effectRef>
+          <a:fontRef idx="minor">
+            <a:schemeClr val="tx1"/>
+          </a:fontRef>
+        </p:style>
+      </p:cxnSp>
+      <p:cxnSp>
+        <p:nvCxnSpPr>
+          <p:cNvPr id="14" name="Straight Connector 13">
+            <a:extLst>
+              <a:ext uri="{FF2B5EF4-FFF2-40B4-BE49-F238E27FC236}">
+                <a16:creationId xmlns:a16="http://schemas.microsoft.com/office/drawing/2014/main" id="{DB146403-F3D6-484B-B2ED-97F9565D0370}"/>
+              </a:ext>
+              <a:ext uri="{C183D7F6-B498-43B3-948B-1728B52AA6E4}">
+                <adec:decorative xmlns:adec="http://schemas.microsoft.com/office/drawing/2017/decorative" val="1"/>
+              </a:ext>
+            </a:extLst>
+          </p:cNvPr>
+          <p:cNvCxnSpPr>
+            <a:cxnSpLocks noGrp="1" noRot="1" noChangeAspect="1" noMove="1" noResize="1" noEditPoints="1" noAdjustHandles="1" noChangeArrowheads="1" noChangeShapeType="1"/>
+          </p:cNvCxnSpPr>
+          <p:nvPr>
+            <p:extLst>
+              <p:ext uri="{386F3935-93C4-4BCD-93E2-E3B085C9AB24}">
+                <p16:designElem xmlns:p16="http://schemas.microsoft.com/office/powerpoint/2015/main" val="1"/>
+              </p:ext>
+            </p:extLst>
+          </p:nvPr>
+        </p:nvCxnSpPr>
+        <p:spPr>
+          <a:xfrm>
+            <a:off x="4587208" y="2596836"/>
+            <a:ext cx="0" cy="3657600"/>
+          </a:xfrm>
+          <a:prstGeom prst="line">
+            <a:avLst/>
+          </a:prstGeom>
+          <a:ln w="101600" cmpd="dbl">
+            <a:solidFill>
+              <a:srgbClr val="595959"/>
+            </a:solidFill>
+          </a:ln>
+        </p:spPr>
+        <p:style>
+          <a:lnRef idx="1">
+            <a:schemeClr val="accent1"/>
+          </a:lnRef>
+          <a:fillRef idx="0">
+            <a:schemeClr val="accent1"/>
+          </a:fillRef>
+          <a:effectRef idx="0">
+            <a:schemeClr val="accent1"/>
+          </a:effectRef>
+          <a:fontRef idx="minor">
+            <a:schemeClr val="tx1"/>
+          </a:fontRef>
+        </p:style>
+      </p:cxnSp>
+      <p:sp>
+        <p:nvSpPr>
+          <p:cNvPr id="16" name="TextBox 15">
+            <a:extLst>
+              <a:ext uri="{FF2B5EF4-FFF2-40B4-BE49-F238E27FC236}">
+                <a16:creationId xmlns:a16="http://schemas.microsoft.com/office/drawing/2014/main" id="{BCB7435F-D827-483D-B302-A2633D7438DE}"/>
+              </a:ext>
+            </a:extLst>
+          </p:cNvPr>
+          <p:cNvSpPr txBox="1"/>
+          <p:nvPr/>
+        </p:nvSpPr>
+        <p:spPr>
+          <a:xfrm>
+            <a:off x="297661" y="5931295"/>
+            <a:ext cx="4060246" cy="369332"/>
+          </a:xfrm>
+          <a:prstGeom prst="rect">
+            <a:avLst/>
+          </a:prstGeom>
+          <a:noFill/>
+        </p:spPr>
+        <p:txBody>
+          <a:bodyPr wrap="square" rtlCol="0">
+            <a:spAutoFit/>
+          </a:bodyPr>
+          <a:lstStyle/>
+          <a:p>
+            <a:r>
+              <a:rPr lang="en-IN" dirty="0"/>
+              <a:t>Location wise cafe popularity vs cost </a:t>
+            </a:r>
+          </a:p>
+        </p:txBody>
+      </p:sp>
+      <p:sp>
+        <p:nvSpPr>
+          <p:cNvPr id="17" name="TextBox 16">
+            <a:extLst>
+              <a:ext uri="{FF2B5EF4-FFF2-40B4-BE49-F238E27FC236}">
+                <a16:creationId xmlns:a16="http://schemas.microsoft.com/office/drawing/2014/main" id="{138C0E12-0E66-4770-B318-D1677B1104D8}"/>
+              </a:ext>
+            </a:extLst>
+          </p:cNvPr>
+          <p:cNvSpPr txBox="1"/>
+          <p:nvPr/>
+        </p:nvSpPr>
+        <p:spPr>
+          <a:xfrm>
+            <a:off x="4704406" y="5931687"/>
+            <a:ext cx="4060246" cy="369332"/>
+          </a:xfrm>
+          <a:prstGeom prst="rect">
+            <a:avLst/>
+          </a:prstGeom>
+          <a:noFill/>
+        </p:spPr>
+        <p:txBody>
+          <a:bodyPr wrap="square" rtlCol="0">
+            <a:spAutoFit/>
+          </a:bodyPr>
+          <a:lstStyle/>
+          <a:p>
+            <a:r>
+              <a:rPr lang="en-IN" dirty="0"/>
+              <a:t>Location wise best rated cuisines</a:t>
+            </a:r>
+          </a:p>
+        </p:txBody>
+      </p:sp>
+      <p:pic>
+        <p:nvPicPr>
+          <p:cNvPr id="11" name="Picture 10">
+            <a:extLst>
+              <a:ext uri="{FF2B5EF4-FFF2-40B4-BE49-F238E27FC236}">
+                <a16:creationId xmlns:a16="http://schemas.microsoft.com/office/drawing/2014/main" id="{76F2E331-C6E0-472F-8009-D03C11451C94}"/>
+              </a:ext>
+            </a:extLst>
+          </p:cNvPr>
+          <p:cNvPicPr/>
+          <p:nvPr/>
+        </p:nvPicPr>
+        <p:blipFill>
+          <a:blip r:embed="rId2">
+            <a:extLst>
+              <a:ext uri="{28A0092B-C50C-407E-A947-70E740481C1C}">
+                <a14:useLocalDpi xmlns:a14="http://schemas.microsoft.com/office/drawing/2010/main" val="0"/>
+              </a:ext>
+            </a:extLst>
+          </a:blip>
+          <a:stretch>
+            <a:fillRect/>
+          </a:stretch>
+        </p:blipFill>
+        <p:spPr>
+          <a:xfrm>
+            <a:off x="297661" y="2426788"/>
+            <a:ext cx="3779382" cy="3328060"/>
+          </a:xfrm>
+          <a:prstGeom prst="rect">
+            <a:avLst/>
+          </a:prstGeom>
+        </p:spPr>
+      </p:pic>
+      <p:pic>
+        <p:nvPicPr>
+          <p:cNvPr id="13" name="Picture 12">
+            <a:extLst>
+              <a:ext uri="{FF2B5EF4-FFF2-40B4-BE49-F238E27FC236}">
+                <a16:creationId xmlns:a16="http://schemas.microsoft.com/office/drawing/2014/main" id="{01C2F67B-5A56-497D-A771-5AB8C87BEB43}"/>
+              </a:ext>
+            </a:extLst>
+          </p:cNvPr>
+          <p:cNvPicPr/>
+          <p:nvPr/>
+        </p:nvPicPr>
+        <p:blipFill rotWithShape="1">
+          <a:blip r:embed="rId3">
+            <a:extLst>
+              <a:ext uri="{28A0092B-C50C-407E-A947-70E740481C1C}">
+                <a14:useLocalDpi xmlns:a14="http://schemas.microsoft.com/office/drawing/2010/main" val="0"/>
+              </a:ext>
+            </a:extLst>
+          </a:blip>
+          <a:srcRect l="-1" r="147" b="4860"/>
+          <a:stretch/>
+        </p:blipFill>
+        <p:spPr>
+          <a:xfrm>
+            <a:off x="4810907" y="2426788"/>
+            <a:ext cx="3773778" cy="3413059"/>
+          </a:xfrm>
+          <a:prstGeom prst="rect">
+            <a:avLst/>
+          </a:prstGeom>
+        </p:spPr>
+      </p:pic>
+    </p:spTree>
+    <p:extLst>
+      <p:ext uri="{BB962C8B-B14F-4D97-AF65-F5344CB8AC3E}">
+        <p14:creationId xmlns:p14="http://schemas.microsoft.com/office/powerpoint/2010/main" val="3689728456"/>
+      </p:ext>
+    </p:extLst>
+  </p:cSld>
+  <p:clrMapOvr>
+    <a:masterClrMapping/>
+  </p:clrMapOvr>
+</p:sld>
+</file>
+
+<file path=ppt/slides/slide7.xml><?xml version="1.0" encoding="utf-8"?>
 <p:sld xmlns:a="http://schemas.openxmlformats.org/drawingml/2006/main" xmlns:r="http://schemas.openxmlformats.org/officeDocument/2006/relationships" xmlns:p="http://schemas.openxmlformats.org/presentationml/2006/main">
   <p:cSld>
     <p:bg>
@@ -21113,7 +22426,7 @@
 </p:sld>
 </file>
 
-<file path=ppt/slides/slide5.xml><?xml version="1.0" encoding="utf-8"?>
+<file path=ppt/slides/slide8.xml><?xml version="1.0" encoding="utf-8"?>
 <p:sld xmlns:a="http://schemas.openxmlformats.org/drawingml/2006/main" xmlns:r="http://schemas.openxmlformats.org/officeDocument/2006/relationships" xmlns:p="http://schemas.openxmlformats.org/presentationml/2006/main">
   <p:cSld>
     <p:bg>
@@ -21206,7 +22519,7 @@
             <p:ph idx="1"/>
             <p:extLst>
               <p:ext uri="{D42A27DB-BD31-4B8C-83A1-F6EECF244321}">
-                <p14:modId xmlns:p14="http://schemas.microsoft.com/office/powerpoint/2010/main" val="779501022"/>
+                <p14:modId xmlns:p14="http://schemas.microsoft.com/office/powerpoint/2010/main" val="846988745"/>
               </p:ext>
             </p:extLst>
           </p:nvPr>
@@ -21234,7 +22547,7 @@
 </p:sld>
 </file>
 
-<file path=ppt/slides/slide6.xml><?xml version="1.0" encoding="utf-8"?>
+<file path=ppt/slides/slide9.xml><?xml version="1.0" encoding="utf-8"?>
 <p:sld xmlns:a="http://schemas.openxmlformats.org/drawingml/2006/main" xmlns:r="http://schemas.openxmlformats.org/officeDocument/2006/relationships" xmlns:p="http://schemas.openxmlformats.org/presentationml/2006/main">
   <p:cSld>
     <p:bg>
@@ -21577,21 +22890,7 @@
                 <a:latin typeface="Lao UI" panose="020B0502040204020203" pitchFamily="34" charset="0"/>
                 <a:cs typeface="Lao UI" panose="020B0502040204020203" pitchFamily="34" charset="0"/>
               </a:rPr>
-              <a:t>conclusion is that opening a new Cafe in HSR or JP </a:t>
-            </a:r>
-            <a:r>
-              <a:rPr lang="en-US" sz="1400" dirty="0" err="1">
-                <a:latin typeface="Lao UI" panose="020B0502040204020203" pitchFamily="34" charset="0"/>
-                <a:cs typeface="Lao UI" panose="020B0502040204020203" pitchFamily="34" charset="0"/>
-              </a:rPr>
-              <a:t>nagar</a:t>
-            </a:r>
-            <a:r>
-              <a:rPr lang="en-US" sz="1400" dirty="0">
-                <a:latin typeface="Lao UI" panose="020B0502040204020203" pitchFamily="34" charset="0"/>
-                <a:cs typeface="Lao UI" panose="020B0502040204020203" pitchFamily="34" charset="0"/>
-              </a:rPr>
-              <a:t> would be a best option</a:t>
+              <a:t>conclusion is that opening a new Cafe in HSR would be a best option</a:t>
             </a:r>
             <a:r>
               <a:rPr lang="id-ID" sz="1400" dirty="0">
@@ -22122,15 +23421,15 @@
 <file path=customXml/itemProps1.xml><?xml version="1.0" encoding="utf-8"?>
 <ds:datastoreItem xmlns:ds="http://schemas.openxmlformats.org/officeDocument/2006/customXml" ds:itemID="{B224848B-AE58-4081-8838-94BE829C7AC1}">
   <ds:schemaRefs>
+    <ds:schemaRef ds:uri="http://purl.org/dc/terms/"/>
+    <ds:schemaRef ds:uri="http://schemas.microsoft.com/office/2006/documentManagement/types"/>
+    <ds:schemaRef ds:uri="http://www.w3.org/XML/1998/namespace"/>
+    <ds:schemaRef ds:uri="http://schemas.openxmlformats.org/package/2006/metadata/core-properties"/>
+    <ds:schemaRef ds:uri="http://schemas.microsoft.com/office/infopath/2007/PartnerControls"/>
+    <ds:schemaRef ds:uri="d0a346d3-1943-45d8-ac02-1946aca39d21"/>
+    <ds:schemaRef ds:uri="http://schemas.microsoft.com/office/2006/metadata/properties"/>
     <ds:schemaRef ds:uri="http://purl.org/dc/elements/1.1/"/>
-    <ds:schemaRef ds:uri="http://schemas.microsoft.com/office/2006/documentManagement/types"/>
-    <ds:schemaRef ds:uri="http://schemas.microsoft.com/office/infopath/2007/PartnerControls"/>
-    <ds:schemaRef ds:uri="http://schemas.microsoft.com/office/2006/metadata/properties"/>
-    <ds:schemaRef ds:uri="http://www.w3.org/XML/1998/namespace"/>
-    <ds:schemaRef ds:uri="http://purl.org/dc/terms/"/>
     <ds:schemaRef ds:uri="http://purl.org/dc/dcmitype/"/>
-    <ds:schemaRef ds:uri="http://schemas.openxmlformats.org/package/2006/metadata/core-properties"/>
-    <ds:schemaRef ds:uri="d0a346d3-1943-45d8-ac02-1946aca39d21"/>
   </ds:schemaRefs>
 </ds:datastoreItem>
 </file>
